--- a/가습기 무드등_최종.pptx
+++ b/가습기 무드등_최종.pptx
@@ -3746,25 +3746,64 @@
           </a:p>
         </p:txBody>
       </p:sp>
-      <p:sp>
-        <p:nvSpPr>
-          <p:cNvPr id="3" name="내용 개체 틀 2"/>
-          <p:cNvSpPr>
-            <a:spLocks noGrp="1"/>
-          </p:cNvSpPr>
+      <p:pic>
+        <p:nvPicPr>
+          <p:cNvPr id="4" name="내용 개체 틀 3"/>
+          <p:cNvPicPr>
+            <a:picLocks noGrp="1" noChangeAspect="1"/>
+          </p:cNvPicPr>
           <p:nvPr>
             <p:ph idx="1"/>
           </p:nvPr>
-        </p:nvSpPr>
-        <p:spPr/>
-        <p:txBody>
-          <a:bodyPr/>
-          <a:lstStyle/>
-          <a:p>
-            <a:endParaRPr lang="ko-KR" altLang="en-US"/>
-          </a:p>
-        </p:txBody>
-      </p:sp>
+        </p:nvPicPr>
+        <p:blipFill>
+          <a:blip r:embed="rId3" cstate="print">
+            <a:extLst>
+              <a:ext uri="{28A0092B-C50C-407E-A947-70E740481C1C}">
+                <a14:useLocalDpi xmlns:a14="http://schemas.microsoft.com/office/drawing/2010/main" val="0"/>
+              </a:ext>
+            </a:extLst>
+          </a:blip>
+          <a:stretch>
+            <a:fillRect/>
+          </a:stretch>
+        </p:blipFill>
+        <p:spPr>
+          <a:xfrm>
+            <a:off x="6921012" y="1690688"/>
+            <a:ext cx="3263503" cy="4351338"/>
+          </a:xfrm>
+        </p:spPr>
+      </p:pic>
+      <p:pic>
+        <p:nvPicPr>
+          <p:cNvPr id="5" name="그림 4"/>
+          <p:cNvPicPr>
+            <a:picLocks noChangeAspect="1"/>
+          </p:cNvPicPr>
+          <p:nvPr/>
+        </p:nvPicPr>
+        <p:blipFill rotWithShape="1">
+          <a:blip r:embed="rId4" cstate="print">
+            <a:extLst>
+              <a:ext uri="{28A0092B-C50C-407E-A947-70E740481C1C}">
+                <a14:useLocalDpi xmlns:a14="http://schemas.microsoft.com/office/drawing/2010/main" val="0"/>
+              </a:ext>
+            </a:extLst>
+          </a:blip>
+          <a:srcRect l="23910" t="21525" r="9143" b="11968"/>
+          <a:stretch/>
+        </p:blipFill>
+        <p:spPr>
+          <a:xfrm>
+            <a:off x="1201757" y="2029094"/>
+            <a:ext cx="4198190" cy="3674526"/>
+          </a:xfrm>
+          <a:prstGeom prst="rect">
+            <a:avLst/>
+          </a:prstGeom>
+        </p:spPr>
+      </p:pic>
     </p:spTree>
     <p:extLst>
       <p:ext uri="{BB962C8B-B14F-4D97-AF65-F5344CB8AC3E}">
@@ -4052,40 +4091,7 @@
                   </a:schemeClr>
                 </a:solidFill>
               </a:rPr>
-              <a:t>블루투스를 사용한 </a:t>
-            </a:r>
-            <a:r>
-              <a:rPr lang="ko-KR" altLang="en-US" smtClean="0">
-                <a:solidFill>
-                  <a:schemeClr val="tx1">
-                    <a:lumMod val="85000"/>
-                    <a:lumOff val="15000"/>
-                  </a:schemeClr>
-                </a:solidFill>
-              </a:rPr>
-              <a:t>다양한 </a:t>
-            </a:r>
-            <a:r>
-              <a:rPr lang="ko-KR" altLang="en-US" smtClean="0">
-                <a:solidFill>
-                  <a:schemeClr val="tx1">
-                    <a:lumMod val="85000"/>
-                    <a:lumOff val="15000"/>
-                  </a:schemeClr>
-                </a:solidFill>
-              </a:rPr>
-              <a:t>색 </a:t>
-            </a:r>
-            <a:r>
-              <a:rPr lang="ko-KR" altLang="en-US" smtClean="0">
-                <a:solidFill>
-                  <a:schemeClr val="tx1">
-                    <a:lumMod val="85000"/>
-                    <a:lumOff val="15000"/>
-                  </a:schemeClr>
-                </a:solidFill>
-              </a:rPr>
-              <a:t>설정</a:t>
+              <a:t>블루투스를 사용한 다양한 색 설정</a:t>
             </a:r>
             <a:r>
               <a:rPr lang="en-US" altLang="ko-KR" smtClean="0">
@@ -4345,10 +4351,10 @@
                   </a:schemeClr>
                 </a:solidFill>
               </a:rPr>
-              <a:t>사용해 </a:t>
-            </a:r>
-            <a:r>
-              <a:rPr lang="ko-KR" altLang="en-US" smtClean="0">
+              <a:t>사용해 전원 </a:t>
+            </a:r>
+            <a:r>
+              <a:rPr lang="en-US" altLang="ko-KR" dirty="0" smtClean="0">
                 <a:solidFill>
                   <a:schemeClr val="tx1">
                     <a:lumMod val="85000"/>
@@ -4356,8 +4362,13 @@
                   </a:schemeClr>
                 </a:solidFill>
               </a:rPr>
-              <a:t>전원 </a:t>
-            </a:r>
+              <a:t>ON / OFF</a:t>
+            </a:r>
+          </a:p>
+          <a:p>
+            <a:pPr marL="0" indent="0">
+              <a:buNone/>
+            </a:pPr>
             <a:r>
               <a:rPr lang="en-US" altLang="ko-KR" dirty="0" smtClean="0">
                 <a:solidFill>
@@ -4367,7 +4378,7 @@
                   </a:schemeClr>
                 </a:solidFill>
               </a:rPr>
-              <a:t>ON / OFF</a:t>
+              <a:t>  </a:t>
             </a:r>
           </a:p>
           <a:p>
@@ -4375,7 +4386,7 @@
               <a:buNone/>
             </a:pPr>
             <a:r>
-              <a:rPr lang="en-US" altLang="ko-KR" dirty="0" smtClean="0">
+              <a:rPr lang="en-US" altLang="ko-KR" smtClean="0">
                 <a:solidFill>
                   <a:schemeClr val="tx1">
                     <a:lumMod val="85000"/>
@@ -4383,15 +4394,10 @@
                   </a:schemeClr>
                 </a:solidFill>
               </a:rPr>
-              <a:t>  </a:t>
-            </a:r>
-          </a:p>
-          <a:p>
-            <a:pPr marL="0" indent="0">
-              <a:buNone/>
-            </a:pPr>
-            <a:r>
-              <a:rPr lang="en-US" altLang="ko-KR" smtClean="0">
+              <a:t>• </a:t>
+            </a:r>
+            <a:r>
+              <a:rPr lang="ko-KR" altLang="en-US" smtClean="0">
                 <a:solidFill>
                   <a:schemeClr val="tx1">
                     <a:lumMod val="85000"/>
@@ -4399,62 +4405,7 @@
                   </a:schemeClr>
                 </a:solidFill>
               </a:rPr>
-              <a:t>• </a:t>
-            </a:r>
-            <a:r>
-              <a:rPr lang="ko-KR" altLang="en-US" smtClean="0">
-                <a:solidFill>
-                  <a:schemeClr val="tx1">
-                    <a:lumMod val="85000"/>
-                    <a:lumOff val="15000"/>
-                  </a:schemeClr>
-                </a:solidFill>
-              </a:rPr>
-              <a:t>블루투스를 이용한 습도 </a:t>
-            </a:r>
-            <a:r>
-              <a:rPr lang="ko-KR" altLang="en-US" smtClean="0">
-                <a:solidFill>
-                  <a:schemeClr val="tx1">
-                    <a:lumMod val="85000"/>
-                    <a:lumOff val="15000"/>
-                  </a:schemeClr>
-                </a:solidFill>
-              </a:rPr>
-              <a:t>예약</a:t>
-            </a:r>
-            <a:r>
-              <a:rPr lang="ko-KR" altLang="en-US" smtClean="0">
-                <a:solidFill>
-                  <a:schemeClr val="tx1">
-                    <a:lumMod val="85000"/>
-                    <a:lumOff val="15000"/>
-                  </a:schemeClr>
-                </a:solidFill>
-              </a:rPr>
-              <a:t> </a:t>
-            </a:r>
-            <a:r>
-              <a:rPr lang="ko-KR" altLang="en-US" smtClean="0">
-                <a:solidFill>
-                  <a:schemeClr val="tx1">
-                    <a:lumMod val="85000"/>
-                    <a:lumOff val="15000"/>
-                  </a:schemeClr>
-                </a:solidFill>
-              </a:rPr>
-              <a:t>기</a:t>
-            </a:r>
-            <a:r>
-              <a:rPr lang="ko-KR" altLang="en-US" smtClean="0">
-                <a:solidFill>
-                  <a:schemeClr val="tx1">
-                    <a:lumMod val="85000"/>
-                    <a:lumOff val="15000"/>
-                  </a:schemeClr>
-                </a:solidFill>
-              </a:rPr>
-              <a:t>능</a:t>
+              <a:t>블루투스를 이용한 습도 예약 기능</a:t>
             </a:r>
             <a:r>
               <a:rPr lang="en-US" altLang="ko-KR" smtClean="0">
@@ -4950,18 +4901,7 @@
                   </a:schemeClr>
                 </a:solidFill>
               </a:rPr>
-              <a:t>• </a:t>
-            </a:r>
-            <a:r>
-              <a:rPr lang="en-US" altLang="ko-KR" smtClean="0">
-                <a:solidFill>
-                  <a:schemeClr val="tx1">
-                    <a:lumMod val="85000"/>
-                    <a:lumOff val="15000"/>
-                  </a:schemeClr>
-                </a:solidFill>
-              </a:rPr>
-              <a:t>Yellow, Pink, Blue</a:t>
+              <a:t>• Yellow, Pink, Blue</a:t>
             </a:r>
             <a:r>
               <a:rPr lang="ko-KR" altLang="en-US">
@@ -5293,25 +5233,33 @@
           </a:p>
         </p:txBody>
       </p:sp>
-      <p:sp>
-        <p:nvSpPr>
-          <p:cNvPr id="3" name="내용 개체 틀 2"/>
-          <p:cNvSpPr>
-            <a:spLocks noGrp="1"/>
-          </p:cNvSpPr>
+      <p:pic>
+        <p:nvPicPr>
+          <p:cNvPr id="4" name="내용 개체 틀 3">
+            <a:hlinkClick r:id="rId3"/>
+          </p:cNvPr>
+          <p:cNvPicPr>
+            <a:picLocks noGrp="1" noChangeAspect="1"/>
+          </p:cNvPicPr>
           <p:nvPr>
             <p:ph idx="1"/>
           </p:nvPr>
-        </p:nvSpPr>
-        <p:spPr/>
-        <p:txBody>
-          <a:bodyPr/>
-          <a:lstStyle/>
-          <a:p>
-            <a:endParaRPr lang="ko-KR" altLang="en-US"/>
-          </a:p>
-        </p:txBody>
-      </p:sp>
+        </p:nvPicPr>
+        <p:blipFill rotWithShape="1">
+          <a:blip r:embed="rId4"/>
+          <a:srcRect l="5193" t="21593" r="35988" b="22706"/>
+          <a:stretch/>
+        </p:blipFill>
+        <p:spPr>
+          <a:xfrm>
+            <a:off x="2532044" y="1690688"/>
+            <a:ext cx="6678058" cy="3776796"/>
+          </a:xfrm>
+          <a:prstGeom prst="rect">
+            <a:avLst/>
+          </a:prstGeom>
+        </p:spPr>
+      </p:pic>
     </p:spTree>
     <p:extLst>
       <p:ext uri="{BB962C8B-B14F-4D97-AF65-F5344CB8AC3E}">
